--- a/useCase_3/photoView.pptx
+++ b/useCase_3/photoView.pptx
@@ -4757,11 +4757,19 @@
             </a:r>
             <a:r>
               <a:rPr lang="en-US" altLang="ja-JP" dirty="0"/>
+              <a:t>JPEG</a:t>
+            </a:r>
+            <a:r>
+              <a:rPr lang="ja-JP" altLang="en-US"/>
+              <a:t>ファイル内の </a:t>
+            </a:r>
+            <a:r>
+              <a:rPr lang="en-US" altLang="ja-JP"/>
               <a:t>GPS </a:t>
             </a:r>
             <a:r>
               <a:rPr lang="ja-JP" altLang="en-US" dirty="0"/>
-              <a:t>情報を読み込む機能を提供するアドインで提供されています。</a:t>
+              <a:t>情報を読み込む機能がアドインで提供されています。</a:t>
             </a:r>
             <a:endParaRPr lang="en-US" altLang="ja-JP" dirty="0"/>
           </a:p>
@@ -4791,20 +4799,15 @@
           <a:p>
             <a:r>
               <a:rPr lang="ja-JP" altLang="en-US" dirty="0"/>
-              <a:t>これに限らず、人気の高いプログラム言語には膨大な数のアドインが存在し、豊富なレシピとともにインターネットで公開されています。</a:t>
+              <a:t>これらに限らず、人気の高いプログラム言語には膨大な数のアドインが無償で提供されていて、豊富なレシピとともにインターネットで公開されています。</a:t>
             </a:r>
             <a:endParaRPr lang="en-US" altLang="ja-JP" dirty="0"/>
           </a:p>
           <a:p>
             <a:r>
               <a:rPr lang="ja-JP" altLang="en-US" dirty="0"/>
-              <a:t>基本的な文法は押さえておく必要がありますが、アドインの機能を利用することで、ユーザーが実際に記述するプログラム</a:t>
-            </a:r>
-            <a:r>
-              <a:rPr lang="ja-JP" altLang="en-US"/>
-              <a:t>は短くて済みます。</a:t>
-            </a:r>
-            <a:endParaRPr lang="ja-JP" altLang="en-US" dirty="0"/>
+              <a:t>基本的な文法は押さえておく必要がありますが、アドインの機能を利用することで、実際にユーザーが記述するプログラムは短くて済みます。</a:t>
+            </a:r>
           </a:p>
         </p:txBody>
       </p:sp>

--- a/useCase_3/photoView.pptx
+++ b/useCase_3/photoView.pptx
@@ -200,7 +200,7 @@
           <a:p>
             <a:fld id="{916C2131-09B9-4847-8667-A6D7E395CACE}" type="datetimeFigureOut">
               <a:rPr kumimoji="1" lang="ja-JP" altLang="en-US" smtClean="0"/>
-              <a:t>2021/4/26</a:t>
+              <a:t>2021/5/3</a:t>
             </a:fld>
             <a:endParaRPr kumimoji="1" lang="ja-JP" altLang="en-US"/>
           </a:p>
@@ -646,7 +646,7 @@
           <a:p>
             <a:fld id="{0F49FE2A-5BB1-446D-9CB9-0F6C4F7B7B2E}" type="datetime1">
               <a:rPr kumimoji="1" lang="ja-JP" altLang="en-US" smtClean="0"/>
-              <a:t>2021/4/26</a:t>
+              <a:t>2021/5/3</a:t>
             </a:fld>
             <a:endParaRPr kumimoji="1" lang="ja-JP" altLang="en-US"/>
           </a:p>
@@ -876,7 +876,7 @@
           <a:p>
             <a:fld id="{B4901A60-3AA6-478B-8615-CD54C30721C9}" type="datetime1">
               <a:rPr kumimoji="1" lang="ja-JP" altLang="en-US" smtClean="0"/>
-              <a:t>2021/4/26</a:t>
+              <a:t>2021/5/3</a:t>
             </a:fld>
             <a:endParaRPr kumimoji="1" lang="ja-JP" altLang="en-US"/>
           </a:p>
@@ -1116,7 +1116,7 @@
           <a:p>
             <a:fld id="{6A89C329-ED5E-4F84-B549-D95C2D651FC7}" type="datetime1">
               <a:rPr kumimoji="1" lang="ja-JP" altLang="en-US" smtClean="0"/>
-              <a:t>2021/4/26</a:t>
+              <a:t>2021/5/3</a:t>
             </a:fld>
             <a:endParaRPr kumimoji="1" lang="ja-JP" altLang="en-US"/>
           </a:p>
@@ -1346,7 +1346,7 @@
           <a:p>
             <a:fld id="{3C1227FF-6B8F-4B4F-A479-C16E8AB1400C}" type="datetime1">
               <a:rPr kumimoji="1" lang="ja-JP" altLang="en-US" smtClean="0"/>
-              <a:t>2021/4/26</a:t>
+              <a:t>2021/5/3</a:t>
             </a:fld>
             <a:endParaRPr kumimoji="1" lang="ja-JP" altLang="en-US"/>
           </a:p>
@@ -1621,7 +1621,7 @@
           <a:p>
             <a:fld id="{A4A51040-800F-48D7-896A-A464928C240B}" type="datetime1">
               <a:rPr kumimoji="1" lang="ja-JP" altLang="en-US" smtClean="0"/>
-              <a:t>2021/4/26</a:t>
+              <a:t>2021/5/3</a:t>
             </a:fld>
             <a:endParaRPr kumimoji="1" lang="ja-JP" altLang="en-US"/>
           </a:p>
@@ -1950,7 +1950,7 @@
           <a:p>
             <a:fld id="{3ED8BCD8-3D5B-49DA-88B1-3499758B5785}" type="datetime1">
               <a:rPr kumimoji="1" lang="ja-JP" altLang="en-US" smtClean="0"/>
-              <a:t>2021/4/26</a:t>
+              <a:t>2021/5/3</a:t>
             </a:fld>
             <a:endParaRPr kumimoji="1" lang="ja-JP" altLang="en-US"/>
           </a:p>
@@ -2426,7 +2426,7 @@
           <a:p>
             <a:fld id="{5A50A432-5756-4C61-BE1F-D06A2A27A7E3}" type="datetime1">
               <a:rPr kumimoji="1" lang="ja-JP" altLang="en-US" smtClean="0"/>
-              <a:t>2021/4/26</a:t>
+              <a:t>2021/5/3</a:t>
             </a:fld>
             <a:endParaRPr kumimoji="1" lang="ja-JP" altLang="en-US"/>
           </a:p>
@@ -2567,7 +2567,7 @@
           <a:p>
             <a:fld id="{23FC8F36-50D9-404E-959F-609178953A21}" type="datetime1">
               <a:rPr kumimoji="1" lang="ja-JP" altLang="en-US" smtClean="0"/>
-              <a:t>2021/4/26</a:t>
+              <a:t>2021/5/3</a:t>
             </a:fld>
             <a:endParaRPr kumimoji="1" lang="ja-JP" altLang="en-US"/>
           </a:p>
@@ -2680,7 +2680,7 @@
           <a:p>
             <a:fld id="{00424B4D-1981-4BCE-9AD3-3A4997EE90FA}" type="datetime1">
               <a:rPr kumimoji="1" lang="ja-JP" altLang="en-US" smtClean="0"/>
-              <a:t>2021/4/26</a:t>
+              <a:t>2021/5/3</a:t>
             </a:fld>
             <a:endParaRPr kumimoji="1" lang="ja-JP" altLang="en-US"/>
           </a:p>
@@ -3023,7 +3023,7 @@
           <a:p>
             <a:fld id="{FD2FF33F-7F3C-44E5-8111-C4D059B0D08D}" type="datetime1">
               <a:rPr kumimoji="1" lang="ja-JP" altLang="en-US" smtClean="0"/>
-              <a:t>2021/4/26</a:t>
+              <a:t>2021/5/3</a:t>
             </a:fld>
             <a:endParaRPr kumimoji="1" lang="ja-JP" altLang="en-US"/>
           </a:p>
@@ -3311,7 +3311,7 @@
           <a:p>
             <a:fld id="{35A737FE-E1BE-4BE4-937F-9E8A3959381C}" type="datetime1">
               <a:rPr kumimoji="1" lang="ja-JP" altLang="en-US" smtClean="0"/>
-              <a:t>2021/4/26</a:t>
+              <a:t>2021/5/3</a:t>
             </a:fld>
             <a:endParaRPr kumimoji="1" lang="ja-JP" altLang="en-US"/>
           </a:p>
@@ -3584,7 +3584,7 @@
           <a:p>
             <a:fld id="{7FE5AAC6-C3B3-4683-AACA-70E45DF4E7BF}" type="datetime1">
               <a:rPr kumimoji="1" lang="ja-JP" altLang="en-US" smtClean="0"/>
-              <a:t>2021/4/26</a:t>
+              <a:t>2021/5/3</a:t>
             </a:fld>
             <a:endParaRPr kumimoji="1" lang="ja-JP" altLang="en-US"/>
           </a:p>
@@ -4511,58 +4511,22 @@
           </a:p>
         </p:txBody>
       </p:sp>
-      <p:pic>
-        <p:nvPicPr>
-          <p:cNvPr id="5" name="コンテンツ プレースホルダー 5" descr="マップ&#10;&#10;自動的に生成された説明">
-            <a:extLst>
-              <a:ext uri="{FF2B5EF4-FFF2-40B4-BE49-F238E27FC236}">
-                <a16:creationId xmlns:a16="http://schemas.microsoft.com/office/drawing/2014/main" id="{618AD6BC-841C-46AF-B3AF-7CA42E1DA141}"/>
-              </a:ext>
-            </a:extLst>
-          </p:cNvPr>
-          <p:cNvPicPr>
-            <a:picLocks noChangeAspect="1"/>
-          </p:cNvPicPr>
+      <p:sp>
+        <p:nvSpPr>
+          <p:cNvPr id="6" name="テキスト ボックス 5">
+            <a:extLst>
+              <a:ext uri="{FF2B5EF4-FFF2-40B4-BE49-F238E27FC236}">
+                <a16:creationId xmlns:a16="http://schemas.microsoft.com/office/drawing/2014/main" id="{C8DBF3D9-24F2-439C-B3FD-4BE84951391A}"/>
+              </a:ext>
+            </a:extLst>
+          </p:cNvPr>
+          <p:cNvSpPr txBox="1"/>
           <p:nvPr/>
-        </p:nvPicPr>
-        <p:blipFill>
-          <a:blip r:embed="rId2">
-            <a:extLst>
-              <a:ext uri="{28A0092B-C50C-407E-A947-70E740481C1C}">
-                <a14:useLocalDpi xmlns:a14="http://schemas.microsoft.com/office/drawing/2010/main" val="0"/>
-              </a:ext>
-            </a:extLst>
-          </a:blip>
-          <a:stretch>
-            <a:fillRect/>
-          </a:stretch>
-        </p:blipFill>
+        </p:nvSpPr>
         <p:spPr>
           <a:xfrm>
-            <a:off x="1009358" y="918733"/>
-            <a:ext cx="6335061" cy="5020534"/>
-          </a:xfrm>
-          <a:prstGeom prst="rect">
-            <a:avLst/>
-          </a:prstGeom>
-        </p:spPr>
-      </p:pic>
-      <p:sp>
-        <p:nvSpPr>
-          <p:cNvPr id="6" name="テキスト ボックス 5">
-            <a:extLst>
-              <a:ext uri="{FF2B5EF4-FFF2-40B4-BE49-F238E27FC236}">
-                <a16:creationId xmlns:a16="http://schemas.microsoft.com/office/drawing/2014/main" id="{C8DBF3D9-24F2-439C-B3FD-4BE84951391A}"/>
-              </a:ext>
-            </a:extLst>
-          </p:cNvPr>
-          <p:cNvSpPr txBox="1"/>
-          <p:nvPr/>
-        </p:nvSpPr>
-        <p:spPr>
-          <a:xfrm>
-            <a:off x="7561731" y="930022"/>
-            <a:ext cx="3620911" cy="5098832"/>
+            <a:off x="7732889" y="515449"/>
+            <a:ext cx="3620911" cy="5570756"/>
           </a:xfrm>
           <a:prstGeom prst="rect">
             <a:avLst/>
@@ -4614,7 +4578,7 @@
             </a:pPr>
             <a:r>
               <a:rPr lang="ja-JP" altLang="en-US" sz="2400" dirty="0"/>
-              <a:t>目印をクリックするとファイル名・撮影日時・写真の縮小版が表示されます。</a:t>
+              <a:t>目印をクリックすると撮影日時と写真の縮小版が表示されます。</a:t>
             </a:r>
             <a:endParaRPr lang="en-US" altLang="ja-JP" sz="2400" dirty="0"/>
           </a:p>
@@ -4632,8 +4596,56 @@
             </a:r>
             <a:endParaRPr lang="en-US" altLang="ja-JP" sz="2400" dirty="0"/>
           </a:p>
-        </p:txBody>
-      </p:sp>
+          <a:p>
+            <a:pPr marL="285750" indent="-285750">
+              <a:spcAft>
+                <a:spcPts val="800"/>
+              </a:spcAft>
+              <a:buFont typeface="Arial" panose="020B0604020202020204" pitchFamily="34" charset="0"/>
+              <a:buChar char="•"/>
+            </a:pPr>
+            <a:r>
+              <a:rPr lang="ja-JP" altLang="en-US" sz="2400" dirty="0"/>
+              <a:t>キャプションの入力と保存ができます。</a:t>
+            </a:r>
+            <a:endParaRPr lang="en-US" altLang="ja-JP" sz="2400" dirty="0"/>
+          </a:p>
+        </p:txBody>
+      </p:sp>
+      <p:pic>
+        <p:nvPicPr>
+          <p:cNvPr id="7" name="図 6">
+            <a:extLst>
+              <a:ext uri="{FF2B5EF4-FFF2-40B4-BE49-F238E27FC236}">
+                <a16:creationId xmlns:a16="http://schemas.microsoft.com/office/drawing/2014/main" id="{27838069-0D70-487A-BA26-C47E7B50FC6D}"/>
+              </a:ext>
+            </a:extLst>
+          </p:cNvPr>
+          <p:cNvPicPr>
+            <a:picLocks noChangeAspect="1"/>
+          </p:cNvPicPr>
+          <p:nvPr/>
+        </p:nvPicPr>
+        <p:blipFill rotWithShape="1">
+          <a:blip r:embed="rId2"/>
+          <a:srcRect t="13561"/>
+          <a:stretch/>
+        </p:blipFill>
+        <p:spPr>
+          <a:xfrm>
+            <a:off x="838200" y="515449"/>
+            <a:ext cx="6275467" cy="5927978"/>
+          </a:xfrm>
+          <a:prstGeom prst="rect">
+            <a:avLst/>
+          </a:prstGeom>
+          <a:ln>
+            <a:solidFill>
+              <a:schemeClr val="tx1"/>
+            </a:solidFill>
+          </a:ln>
+        </p:spPr>
+      </p:pic>
     </p:spTree>
     <p:extLst>
       <p:ext uri="{BB962C8B-B14F-4D97-AF65-F5344CB8AC3E}">
